--- a/presentation/Up and Coming Video Games - Live Presentation.pptx
+++ b/presentation/Up and Coming Video Games - Live Presentation.pptx
@@ -5,7 +5,7 @@
     <p:sldMasterId id="2147483659" r:id="rId1"/>
   </p:sldMasterIdLst>
   <p:notesMasterIdLst>
-    <p:notesMasterId r:id="rId14"/>
+    <p:notesMasterId r:id="rId15"/>
   </p:notesMasterIdLst>
   <p:sldIdLst>
     <p:sldId id="256" r:id="rId2"/>
@@ -18,25 +18,26 @@
     <p:sldId id="263" r:id="rId9"/>
     <p:sldId id="264" r:id="rId10"/>
     <p:sldId id="283" r:id="rId11"/>
-    <p:sldId id="277" r:id="rId12"/>
-    <p:sldId id="282" r:id="rId13"/>
+    <p:sldId id="275" r:id="rId12"/>
+    <p:sldId id="277" r:id="rId13"/>
+    <p:sldId id="282" r:id="rId14"/>
   </p:sldIdLst>
   <p:sldSz cx="9144000" cy="5143500" type="screen16x9"/>
   <p:notesSz cx="6858000" cy="9144000"/>
   <p:embeddedFontLst>
     <p:embeddedFont>
       <p:font typeface="Lato" panose="020B0604020202020204" charset="0"/>
-      <p:regular r:id="rId15"/>
-      <p:bold r:id="rId16"/>
-      <p:italic r:id="rId17"/>
-      <p:boldItalic r:id="rId18"/>
+      <p:regular r:id="rId16"/>
+      <p:bold r:id="rId17"/>
+      <p:italic r:id="rId18"/>
+      <p:boldItalic r:id="rId19"/>
     </p:embeddedFont>
     <p:embeddedFont>
       <p:font typeface="Montserrat" panose="020B0604020202020204" charset="0"/>
-      <p:regular r:id="rId19"/>
-      <p:bold r:id="rId20"/>
-      <p:italic r:id="rId21"/>
-      <p:boldItalic r:id="rId22"/>
+      <p:regular r:id="rId20"/>
+      <p:bold r:id="rId21"/>
+      <p:italic r:id="rId22"/>
+      <p:boldItalic r:id="rId23"/>
     </p:embeddedFont>
   </p:embeddedFontLst>
   <p:defaultTextStyle>
@@ -757,8 +758,8 @@
         </p:nvSpPr>
         <p:spPr>
           <a:xfrm>
-            <a:off x="381300" y="685800"/>
-            <a:ext cx="6096075" cy="3429000"/>
+            <a:off x="381000" y="685800"/>
+            <a:ext cx="6096000" cy="3429000"/>
           </a:xfrm>
           <a:custGeom>
             <a:avLst/>
@@ -905,22 +906,12 @@
               <a:t>Tableau link: </a:t>
             </a:r>
             <a:r>
-              <a:rPr lang="en-US" u="sng" dirty="0">
-                <a:solidFill>
-                  <a:schemeClr val="hlink"/>
-                </a:solidFill>
+              <a:rPr lang="en-US" dirty="0">
                 <a:hlinkClick r:id="rId3"/>
               </a:rPr>
-              <a:t>https://public.tableau.com/profile/eva.fuentes.lopez#!/vizhome/UpComingVideoGames/Story1?publish=yes</a:t>
-            </a:r>
-            <a:r>
-              <a:rPr lang="en-US" u="sng" dirty="0">
-                <a:solidFill>
-                  <a:schemeClr val="hlink"/>
-                </a:solidFill>
-              </a:rPr>
-              <a:t> </a:t>
-            </a:r>
+              <a:t>https://public.tableau.com/profile/eva.fuentes.lopez#!/vizhome/UCB_Storyboard_Dashboard/UpandComingVideoGames?publish=yes</a:t>
+            </a:r>
+            <a:endParaRPr lang="en-US" dirty="0"/>
           </a:p>
           <a:p>
             <a:pPr marL="158750" marR="0" lvl="0" indent="0" algn="l" defTabSz="914400" rtl="0" eaLnBrk="1" fontAlgn="auto" latinLnBrk="0" hangingPunct="1">
@@ -997,7 +988,7 @@
             <a:pPr lvl="1"/>
             <a:r>
               <a:rPr lang="en-US" dirty="0"/>
-              <a:t>We based this number on the total sums, for there are amounts of players willing to play a game with an average score of 70. Anywhere below the amount begins to fall. </a:t>
+              <a:t>We based this number on the total sums, for there are amounts of players willing to play a game with an average score of 75. Anywhere below the amount begins to fall. </a:t>
             </a:r>
           </a:p>
           <a:p>
@@ -1042,7 +1033,7 @@
             </a:pPr>
             <a:r>
               <a:rPr lang="en-US" dirty="0"/>
-              <a:t>After declaring a score of 70 or above as popular, we determined which Popular Tags were the top counts that were listed with the rating.</a:t>
+              <a:t>After declaring a score of 75 or above as popular, we determined which Popular Tags were the top counts that were listed with the rating.</a:t>
             </a:r>
           </a:p>
           <a:p>
@@ -1078,7 +1069,7 @@
             </a:pPr>
             <a:r>
               <a:rPr lang="en-US" dirty="0"/>
-              <a:t>After declaring a score of 70 or above as popular, we determined which Genres were the top counts that were listed with the rating.</a:t>
+              <a:t>After declaring a score of 75 or above as popular, we determined which Genres were the top counts that were listed with the rating.</a:t>
             </a:r>
           </a:p>
           <a:p>
@@ -1147,7 +1138,7 @@
             <a:pPr lvl="2"/>
             <a:r>
               <a:rPr lang="en-US" dirty="0"/>
-              <a:t>How we built our model based on our 70 cut-off</a:t>
+              <a:t>How we built our model based on our 75 cut-off</a:t>
             </a:r>
           </a:p>
           <a:p>
@@ -1237,6 +1228,448 @@
 </file>
 
 <file path=ppt/notesSlides/notesSlide11.xml><?xml version="1.0" encoding="utf-8"?>
+<p:notes xmlns:a="http://schemas.openxmlformats.org/drawingml/2006/main" xmlns:r="http://schemas.openxmlformats.org/officeDocument/2006/relationships" xmlns:p="http://schemas.openxmlformats.org/presentationml/2006/main" showMasterSp="0" showMasterPhAnim="0">
+  <p:cSld>
+    <p:spTree>
+      <p:nvGrpSpPr>
+        <p:cNvPr id="1" name="Shape 256"/>
+        <p:cNvGrpSpPr/>
+        <p:nvPr/>
+      </p:nvGrpSpPr>
+      <p:grpSpPr>
+        <a:xfrm>
+          <a:off x="0" y="0"/>
+          <a:ext cx="0" cy="0"/>
+          <a:chOff x="0" y="0"/>
+          <a:chExt cx="0" cy="0"/>
+        </a:xfrm>
+      </p:grpSpPr>
+      <p:sp>
+        <p:nvSpPr>
+          <p:cNvPr id="257" name="Google Shape;257;g9164d70c0d_0_132:notes"/>
+          <p:cNvSpPr>
+            <a:spLocks noGrp="1" noRot="1" noChangeAspect="1"/>
+          </p:cNvSpPr>
+          <p:nvPr>
+            <p:ph type="sldImg" idx="2"/>
+          </p:nvPr>
+        </p:nvSpPr>
+        <p:spPr>
+          <a:xfrm>
+            <a:off x="381000" y="685800"/>
+            <a:ext cx="6096000" cy="3429000"/>
+          </a:xfrm>
+          <a:custGeom>
+            <a:avLst/>
+            <a:gdLst/>
+            <a:ahLst/>
+            <a:cxnLst/>
+            <a:rect l="l" t="t" r="r" b="b"/>
+            <a:pathLst>
+              <a:path w="120000" h="120000" extrusionOk="0">
+                <a:moveTo>
+                  <a:pt x="0" y="0"/>
+                </a:moveTo>
+                <a:lnTo>
+                  <a:pt x="120000" y="0"/>
+                </a:lnTo>
+                <a:lnTo>
+                  <a:pt x="120000" y="120000"/>
+                </a:lnTo>
+                <a:lnTo>
+                  <a:pt x="0" y="120000"/>
+                </a:lnTo>
+                <a:close/>
+              </a:path>
+            </a:pathLst>
+          </a:custGeom>
+        </p:spPr>
+      </p:sp>
+      <p:sp>
+        <p:nvSpPr>
+          <p:cNvPr id="258" name="Google Shape;258;g9164d70c0d_0_132:notes"/>
+          <p:cNvSpPr txBox="1">
+            <a:spLocks noGrp="1"/>
+          </p:cNvSpPr>
+          <p:nvPr>
+            <p:ph type="body" idx="1"/>
+          </p:nvPr>
+        </p:nvSpPr>
+        <p:spPr>
+          <a:xfrm>
+            <a:off x="685800" y="4343400"/>
+            <a:ext cx="5486400" cy="4114800"/>
+          </a:xfrm>
+          <a:prstGeom prst="rect">
+            <a:avLst/>
+          </a:prstGeom>
+        </p:spPr>
+        <p:txBody>
+          <a:bodyPr spcFirstLastPara="1" wrap="square" lIns="91425" tIns="91425" rIns="91425" bIns="91425" anchor="t" anchorCtr="0">
+            <a:noAutofit/>
+          </a:bodyPr>
+          <a:lstStyle/>
+          <a:p>
+            <a:pPr rtl="0"/>
+            <a:r>
+              <a:rPr lang="en-US" sz="1100" b="0" i="0" u="none" strike="noStrike" cap="none" dirty="0">
+                <a:solidFill>
+                  <a:srgbClr val="000000"/>
+                </a:solidFill>
+                <a:effectLst/>
+                <a:latin typeface="Arial"/>
+                <a:ea typeface="Arial"/>
+                <a:cs typeface="Arial"/>
+                <a:sym typeface="Arial"/>
+              </a:rPr>
+              <a:t>How we built our model based on our 75 cut-off? </a:t>
+            </a:r>
+          </a:p>
+          <a:p>
+            <a:pPr lvl="1" rtl="0" fontAlgn="base"/>
+            <a:r>
+              <a:rPr lang="en-US" sz="1100" b="1" i="0" u="none" strike="noStrike" cap="none" dirty="0">
+                <a:solidFill>
+                  <a:srgbClr val="000000"/>
+                </a:solidFill>
+                <a:effectLst/>
+                <a:latin typeface="Arial"/>
+                <a:ea typeface="Arial"/>
+                <a:cs typeface="Arial"/>
+                <a:sym typeface="Arial"/>
+              </a:rPr>
+              <a:t>As a group we decided to use bins in order to classify the </a:t>
+            </a:r>
+            <a:r>
+              <a:rPr lang="en-US" sz="1100" b="1" i="0" u="none" strike="noStrike" cap="none" dirty="0" err="1">
+                <a:solidFill>
+                  <a:srgbClr val="000000"/>
+                </a:solidFill>
+                <a:effectLst/>
+                <a:latin typeface="Arial"/>
+                <a:ea typeface="Arial"/>
+                <a:cs typeface="Arial"/>
+                <a:sym typeface="Arial"/>
+              </a:rPr>
+              <a:t>percent_positive_reviews</a:t>
+            </a:r>
+            <a:r>
+              <a:rPr lang="en-US" sz="1100" b="1" i="0" u="none" strike="noStrike" cap="none" dirty="0">
+                <a:solidFill>
+                  <a:srgbClr val="000000"/>
+                </a:solidFill>
+                <a:effectLst/>
+                <a:latin typeface="Arial"/>
+                <a:ea typeface="Arial"/>
+                <a:cs typeface="Arial"/>
+                <a:sym typeface="Arial"/>
+              </a:rPr>
+              <a:t> column. If a game was above a rating of 75 it was classified as popular and given a variable of “1”. If a game was below a rating of 75, it was classified as unpopular and given a variable of “0”. </a:t>
+            </a:r>
+          </a:p>
+          <a:p>
+            <a:pPr lvl="1" rtl="0" fontAlgn="base"/>
+            <a:endParaRPr lang="en-US" sz="1100" b="1" i="0" u="none" strike="noStrike" cap="none" dirty="0">
+              <a:solidFill>
+                <a:srgbClr val="000000"/>
+              </a:solidFill>
+              <a:effectLst/>
+              <a:latin typeface="Arial"/>
+              <a:ea typeface="Arial"/>
+              <a:cs typeface="Arial"/>
+              <a:sym typeface="Arial"/>
+            </a:endParaRPr>
+          </a:p>
+          <a:p>
+            <a:pPr rtl="0" fontAlgn="base"/>
+            <a:r>
+              <a:rPr lang="en-US" sz="1100" b="0" i="0" u="none" strike="noStrike" cap="none" dirty="0">
+                <a:solidFill>
+                  <a:srgbClr val="000000"/>
+                </a:solidFill>
+                <a:effectLst/>
+                <a:latin typeface="Arial"/>
+                <a:ea typeface="Arial"/>
+                <a:cs typeface="Arial"/>
+                <a:sym typeface="Arial"/>
+              </a:rPr>
+              <a:t>What type of model we used</a:t>
+            </a:r>
+          </a:p>
+          <a:p>
+            <a:pPr lvl="1" rtl="0" fontAlgn="base"/>
+            <a:r>
+              <a:rPr lang="en-US" sz="1100" b="1" i="0" u="none" strike="noStrike" cap="none" dirty="0">
+                <a:solidFill>
+                  <a:srgbClr val="000000"/>
+                </a:solidFill>
+                <a:effectLst/>
+                <a:latin typeface="Arial"/>
+                <a:ea typeface="Arial"/>
+                <a:cs typeface="Arial"/>
+                <a:sym typeface="Arial"/>
+              </a:rPr>
+              <a:t>After creating the classification column, we decided to use a Logistic Regression model. The Logistic Regression model proved to be a beneficial model to run because of its simplicity in giving us binary outcomes, either a game would be classified as popular or unpopular. </a:t>
+            </a:r>
+          </a:p>
+          <a:p>
+            <a:pPr lvl="1" rtl="0" fontAlgn="base"/>
+            <a:endParaRPr lang="en-US" sz="1100" b="1" i="0" u="none" strike="noStrike" cap="none" dirty="0">
+              <a:solidFill>
+                <a:srgbClr val="000000"/>
+              </a:solidFill>
+              <a:effectLst/>
+              <a:latin typeface="Arial"/>
+              <a:ea typeface="Arial"/>
+              <a:cs typeface="Arial"/>
+              <a:sym typeface="Arial"/>
+            </a:endParaRPr>
+          </a:p>
+          <a:p>
+            <a:pPr rtl="0" fontAlgn="base"/>
+            <a:r>
+              <a:rPr lang="en-US" sz="1100" b="0" i="0" u="none" strike="noStrike" cap="none" dirty="0">
+                <a:solidFill>
+                  <a:srgbClr val="000000"/>
+                </a:solidFill>
+                <a:effectLst/>
+                <a:latin typeface="Arial"/>
+                <a:ea typeface="Arial"/>
+                <a:cs typeface="Arial"/>
+                <a:sym typeface="Arial"/>
+              </a:rPr>
+              <a:t>What accuracy scores we got</a:t>
+            </a:r>
+          </a:p>
+          <a:p>
+            <a:pPr lvl="1" rtl="0" fontAlgn="base"/>
+            <a:r>
+              <a:rPr lang="en-US" sz="1100" b="1" i="0" u="none" strike="noStrike" cap="none" dirty="0">
+                <a:solidFill>
+                  <a:srgbClr val="000000"/>
+                </a:solidFill>
+                <a:effectLst/>
+                <a:latin typeface="Arial"/>
+                <a:ea typeface="Arial"/>
+                <a:cs typeface="Arial"/>
+                <a:sym typeface="Arial"/>
+              </a:rPr>
+              <a:t>For the Logistic Regression Model with the popular tags being used as our features, we got an accuracy score of about 73%. For the logistic regression model with the features being the Genre, we got an accuracy score of 70%. </a:t>
+            </a:r>
+          </a:p>
+          <a:p>
+            <a:pPr lvl="1" rtl="0" fontAlgn="base"/>
+            <a:endParaRPr lang="en-US" sz="1100" b="1" i="0" u="none" strike="noStrike" cap="none" dirty="0">
+              <a:solidFill>
+                <a:srgbClr val="000000"/>
+              </a:solidFill>
+              <a:effectLst/>
+              <a:latin typeface="Arial"/>
+              <a:ea typeface="Arial"/>
+              <a:cs typeface="Arial"/>
+              <a:sym typeface="Arial"/>
+            </a:endParaRPr>
+          </a:p>
+          <a:p>
+            <a:pPr rtl="0" fontAlgn="base"/>
+            <a:r>
+              <a:rPr lang="en-US" sz="1100" b="0" i="0" u="none" strike="noStrike" cap="none" dirty="0">
+                <a:solidFill>
+                  <a:srgbClr val="000000"/>
+                </a:solidFill>
+                <a:effectLst/>
+                <a:latin typeface="Arial"/>
+                <a:ea typeface="Arial"/>
+                <a:cs typeface="Arial"/>
+                <a:sym typeface="Arial"/>
+              </a:rPr>
+              <a:t>What are some limitations to the Logistic Regression Model? </a:t>
+            </a:r>
+          </a:p>
+          <a:p>
+            <a:pPr lvl="1" rtl="0" fontAlgn="base"/>
+            <a:r>
+              <a:rPr lang="en-US" sz="1100" b="1" i="0" u="none" strike="noStrike" cap="none" dirty="0">
+                <a:solidFill>
+                  <a:srgbClr val="000000"/>
+                </a:solidFill>
+                <a:effectLst/>
+                <a:latin typeface="Arial"/>
+                <a:ea typeface="Arial"/>
+                <a:cs typeface="Arial"/>
+                <a:sym typeface="Arial"/>
+              </a:rPr>
+              <a:t>One limitation that stands out about the Logistic Regression Model is the fact that there is a possibility for overfitting. For example, a game that was predicted popular based on its popular tags and </a:t>
+            </a:r>
+            <a:r>
+              <a:rPr lang="en-US" sz="1100" b="1" i="0" u="none" strike="noStrike" cap="none" dirty="0" err="1">
+                <a:solidFill>
+                  <a:srgbClr val="000000"/>
+                </a:solidFill>
+                <a:effectLst/>
+                <a:latin typeface="Arial"/>
+                <a:ea typeface="Arial"/>
+                <a:cs typeface="Arial"/>
+                <a:sym typeface="Arial"/>
+              </a:rPr>
+              <a:t>percent_positive_reviews</a:t>
+            </a:r>
+            <a:r>
+              <a:rPr lang="en-US" sz="1100" b="1" i="0" u="none" strike="noStrike" cap="none" dirty="0">
+                <a:solidFill>
+                  <a:srgbClr val="000000"/>
+                </a:solidFill>
+                <a:effectLst/>
+                <a:latin typeface="Arial"/>
+                <a:ea typeface="Arial"/>
+                <a:cs typeface="Arial"/>
+                <a:sym typeface="Arial"/>
+              </a:rPr>
+              <a:t> in reality may not actually be a popular game. </a:t>
+            </a:r>
+          </a:p>
+          <a:p>
+            <a:pPr lvl="1" rtl="0" fontAlgn="base"/>
+            <a:endParaRPr lang="en-US" sz="1100" b="1" i="0" u="none" strike="noStrike" cap="none" dirty="0">
+              <a:solidFill>
+                <a:srgbClr val="000000"/>
+              </a:solidFill>
+              <a:effectLst/>
+              <a:latin typeface="Arial"/>
+              <a:ea typeface="Arial"/>
+              <a:cs typeface="Arial"/>
+              <a:sym typeface="Arial"/>
+            </a:endParaRPr>
+          </a:p>
+          <a:p>
+            <a:pPr rtl="0" fontAlgn="base"/>
+            <a:r>
+              <a:rPr lang="en-US" sz="1100" b="0" i="0" u="none" strike="noStrike" cap="none" dirty="0">
+                <a:solidFill>
+                  <a:srgbClr val="000000"/>
+                </a:solidFill>
+                <a:effectLst/>
+                <a:latin typeface="Arial"/>
+                <a:ea typeface="Arial"/>
+                <a:cs typeface="Arial"/>
+                <a:sym typeface="Arial"/>
+              </a:rPr>
+              <a:t>What could we have done differently for the Machine Learning process? </a:t>
+            </a:r>
+          </a:p>
+          <a:p>
+            <a:pPr lvl="1" rtl="0" fontAlgn="base"/>
+            <a:r>
+              <a:rPr lang="en-US" sz="1100" b="1" i="0" u="none" strike="noStrike" cap="none" dirty="0">
+                <a:solidFill>
+                  <a:srgbClr val="000000"/>
+                </a:solidFill>
+                <a:effectLst/>
+                <a:latin typeface="Arial"/>
+                <a:ea typeface="Arial"/>
+                <a:cs typeface="Arial"/>
+                <a:sym typeface="Arial"/>
+              </a:rPr>
+              <a:t>One potential issue with our Machine Learning model has to do with the target column. For the </a:t>
+            </a:r>
+            <a:r>
+              <a:rPr lang="en-US" sz="1100" b="1" i="0" u="none" strike="noStrike" cap="none" dirty="0" err="1">
+                <a:solidFill>
+                  <a:srgbClr val="000000"/>
+                </a:solidFill>
+                <a:effectLst/>
+                <a:latin typeface="Arial"/>
+                <a:ea typeface="Arial"/>
+                <a:cs typeface="Arial"/>
+                <a:sym typeface="Arial"/>
+              </a:rPr>
+              <a:t>percent_positive_reviews</a:t>
+            </a:r>
+            <a:r>
+              <a:rPr lang="en-US" sz="1100" b="1" i="0" u="none" strike="noStrike" cap="none" dirty="0">
+                <a:solidFill>
+                  <a:srgbClr val="000000"/>
+                </a:solidFill>
+                <a:effectLst/>
+                <a:latin typeface="Arial"/>
+                <a:ea typeface="Arial"/>
+                <a:cs typeface="Arial"/>
+                <a:sym typeface="Arial"/>
+              </a:rPr>
+              <a:t> column, each game had a different amount of total reviews. Some games had a significant amount of reviews while others did not have nearly as much.</a:t>
+            </a:r>
+          </a:p>
+          <a:p>
+            <a:pPr marL="615950" lvl="1" indent="0" rtl="0" fontAlgn="base">
+              <a:buNone/>
+            </a:pPr>
+            <a:endParaRPr lang="en-US" sz="1100" b="1" i="0" u="none" strike="noStrike" cap="none" dirty="0">
+              <a:solidFill>
+                <a:srgbClr val="000000"/>
+              </a:solidFill>
+              <a:effectLst/>
+              <a:latin typeface="Arial"/>
+              <a:ea typeface="Arial"/>
+              <a:cs typeface="Arial"/>
+              <a:sym typeface="Arial"/>
+            </a:endParaRPr>
+          </a:p>
+          <a:p>
+            <a:pPr lvl="0" rtl="0" fontAlgn="base"/>
+            <a:r>
+              <a:rPr lang="en-US" sz="1100" b="1" i="0" u="none" strike="noStrike" cap="none" dirty="0">
+                <a:solidFill>
+                  <a:srgbClr val="000000"/>
+                </a:solidFill>
+                <a:effectLst/>
+                <a:latin typeface="Arial"/>
+                <a:ea typeface="Arial"/>
+                <a:cs typeface="Arial"/>
+                <a:sym typeface="Arial"/>
+              </a:rPr>
+              <a:t>Tools used: Pandas, </a:t>
+            </a:r>
+            <a:r>
+              <a:rPr lang="en-US" sz="1100" b="1" i="0" u="none" strike="noStrike" cap="none" dirty="0" err="1">
+                <a:solidFill>
+                  <a:srgbClr val="000000"/>
+                </a:solidFill>
+                <a:effectLst/>
+                <a:latin typeface="Arial"/>
+                <a:ea typeface="Arial"/>
+                <a:cs typeface="Arial"/>
+                <a:sym typeface="Arial"/>
+              </a:rPr>
+              <a:t>Sklearn</a:t>
+            </a:r>
+            <a:r>
+              <a:rPr lang="en-US" sz="1100" b="1" i="0" u="none" strike="noStrike" cap="none" dirty="0">
+                <a:solidFill>
+                  <a:srgbClr val="000000"/>
+                </a:solidFill>
+                <a:effectLst/>
+                <a:latin typeface="Arial"/>
+                <a:ea typeface="Arial"/>
+                <a:cs typeface="Arial"/>
+                <a:sym typeface="Arial"/>
+              </a:rPr>
+              <a:t> </a:t>
+            </a:r>
+            <a:endParaRPr lang="en-US" b="0" dirty="0">
+              <a:effectLst/>
+            </a:endParaRPr>
+          </a:p>
+        </p:txBody>
+      </p:sp>
+    </p:spTree>
+  </p:cSld>
+  <p:clrMapOvr>
+    <a:masterClrMapping/>
+  </p:clrMapOvr>
+</p:notes>
+</file>
+
+<file path=ppt/notesSlides/notesSlide12.xml><?xml version="1.0" encoding="utf-8"?>
 <p:notes xmlns:a="http://schemas.openxmlformats.org/drawingml/2006/main" xmlns:r="http://schemas.openxmlformats.org/officeDocument/2006/relationships" xmlns:p="http://schemas.openxmlformats.org/presentationml/2006/main" showMasterSp="0" showMasterPhAnim="0">
   <p:cSld>
     <p:spTree>
@@ -1328,9 +1761,19 @@
               </a:spcAft>
             </a:pPr>
             <a:r>
-              <a:rPr lang="en-US" dirty="0"/>
-              <a:t>Steam has open source APIs that can be accessed, can update to create a pipeline that creates weekly results, since game trends change at that pace. </a:t>
-            </a:r>
+              <a:rPr lang="en-US" sz="1100" b="0" i="0" u="none" strike="noStrike" cap="none" dirty="0">
+                <a:solidFill>
+                  <a:srgbClr val="000000"/>
+                </a:solidFill>
+                <a:effectLst/>
+                <a:latin typeface="Arial"/>
+                <a:ea typeface="Arial"/>
+                <a:cs typeface="Arial"/>
+                <a:sym typeface="Arial"/>
+              </a:rPr>
+              <a:t>Connecting our data sources using Steam's API to provide updated library results, therefore continuing to evolve our learning model and allowing a client to track any trends over time.</a:t>
+            </a:r>
+            <a:endParaRPr lang="en-US" dirty="0"/>
           </a:p>
           <a:p>
             <a:pPr marL="0" lvl="0" indent="0" algn="l" rtl="0">
@@ -1385,6 +1828,74 @@
             </a:r>
           </a:p>
           <a:p>
+            <a:pPr marL="171450" lvl="0" indent="-171450" algn="l" rtl="0">
+              <a:spcBef>
+                <a:spcPts val="0"/>
+              </a:spcBef>
+              <a:spcAft>
+                <a:spcPts val="0"/>
+              </a:spcAft>
+            </a:pPr>
+            <a:endParaRPr lang="en-US" dirty="0"/>
+          </a:p>
+          <a:p>
+            <a:pPr marL="171450" lvl="0" indent="-171450" algn="l" rtl="0">
+              <a:spcBef>
+                <a:spcPts val="0"/>
+              </a:spcBef>
+              <a:spcAft>
+                <a:spcPts val="0"/>
+              </a:spcAft>
+            </a:pPr>
+            <a:r>
+              <a:rPr lang="en-US" sz="1100" b="0" i="0" u="none" strike="noStrike" cap="none" dirty="0">
+                <a:solidFill>
+                  <a:srgbClr val="000000"/>
+                </a:solidFill>
+                <a:effectLst/>
+                <a:latin typeface="Arial"/>
+                <a:ea typeface="Arial"/>
+                <a:cs typeface="Arial"/>
+                <a:sym typeface="Arial"/>
+              </a:rPr>
+              <a:t>Another potential aspect we could look at apart from reviews of video games is the amount of sales either globally or just in North America.</a:t>
+            </a:r>
+          </a:p>
+          <a:p>
+            <a:pPr marL="171450" lvl="0" indent="-171450" algn="l" rtl="0">
+              <a:spcBef>
+                <a:spcPts val="0"/>
+              </a:spcBef>
+              <a:spcAft>
+                <a:spcPts val="0"/>
+              </a:spcAft>
+            </a:pPr>
+            <a:endParaRPr lang="en-US" dirty="0"/>
+          </a:p>
+          <a:p>
+            <a:pPr marL="171450" lvl="0" indent="-171450" algn="l" rtl="0">
+              <a:spcBef>
+                <a:spcPts val="0"/>
+              </a:spcBef>
+              <a:spcAft>
+                <a:spcPts val="0"/>
+              </a:spcAft>
+            </a:pPr>
+            <a:r>
+              <a:rPr lang="en-US" sz="1100" b="0" i="0" u="none" strike="noStrike" cap="none" dirty="0">
+                <a:solidFill>
+                  <a:srgbClr val="000000"/>
+                </a:solidFill>
+                <a:effectLst/>
+                <a:latin typeface="Arial"/>
+                <a:ea typeface="Arial"/>
+                <a:cs typeface="Arial"/>
+                <a:sym typeface="Arial"/>
+              </a:rPr>
+              <a:t>One change we could make in the future is running a few different models to see which provides us with the best accuracy score and precision. </a:t>
+            </a:r>
+          </a:p>
+          <a:p>
             <a:pPr marL="0" lvl="0" indent="0" algn="l" rtl="0">
               <a:spcBef>
                 <a:spcPts val="0"/>
@@ -1395,33 +1906,6 @@
               <a:buNone/>
             </a:pPr>
             <a:endParaRPr lang="en-US" dirty="0"/>
-          </a:p>
-          <a:p>
-            <a:pPr marL="0" lvl="0" indent="0" algn="l" rtl="0">
-              <a:spcBef>
-                <a:spcPts val="0"/>
-              </a:spcBef>
-              <a:spcAft>
-                <a:spcPts val="0"/>
-              </a:spcAft>
-              <a:buNone/>
-            </a:pPr>
-            <a:r>
-              <a:rPr lang="en-US" dirty="0"/>
-              <a:t>	*** What changes to the model/etc. </a:t>
-            </a:r>
-          </a:p>
-          <a:p>
-            <a:pPr marL="0" lvl="0" indent="0" algn="l" rtl="0">
-              <a:spcBef>
-                <a:spcPts val="0"/>
-              </a:spcBef>
-              <a:spcAft>
-                <a:spcPts val="0"/>
-              </a:spcAft>
-              <a:buNone/>
-            </a:pPr>
-            <a:endParaRPr dirty="0"/>
           </a:p>
         </p:txBody>
       </p:sp>
@@ -1433,7 +1917,7 @@
 </p:notes>
 </file>
 
-<file path=ppt/notesSlides/notesSlide12.xml><?xml version="1.0" encoding="utf-8"?>
+<file path=ppt/notesSlides/notesSlide13.xml><?xml version="1.0" encoding="utf-8"?>
 <p:notes xmlns:a="http://schemas.openxmlformats.org/drawingml/2006/main" xmlns:r="http://schemas.openxmlformats.org/officeDocument/2006/relationships" xmlns:p="http://schemas.openxmlformats.org/presentationml/2006/main">
   <p:cSld>
     <p:spTree>
@@ -1507,7 +1991,51 @@
             </a:r>
           </a:p>
           <a:p>
+            <a:pPr marL="158750" marR="0" lvl="0" indent="0" algn="l" defTabSz="914400" rtl="0" eaLnBrk="1" fontAlgn="auto" latinLnBrk="0" hangingPunct="1">
+              <a:lnSpc>
+                <a:spcPct val="100000"/>
+              </a:lnSpc>
+              <a:spcBef>
+                <a:spcPts val="0"/>
+              </a:spcBef>
+              <a:spcAft>
+                <a:spcPts val="0"/>
+              </a:spcAft>
+              <a:buClr>
+                <a:srgbClr val="000000"/>
+              </a:buClr>
+              <a:buSzPts val="1100"/>
+              <a:buFont typeface="Arial"/>
+              <a:buNone/>
+              <a:tabLst/>
+              <a:defRPr/>
+            </a:pPr>
             <a:endParaRPr lang="en-US" dirty="0"/>
+          </a:p>
+          <a:p>
+            <a:pPr marL="158750" marR="0" lvl="0" indent="0" algn="l" defTabSz="914400" rtl="0" eaLnBrk="1" fontAlgn="auto" latinLnBrk="0" hangingPunct="1">
+              <a:lnSpc>
+                <a:spcPct val="100000"/>
+              </a:lnSpc>
+              <a:spcBef>
+                <a:spcPts val="0"/>
+              </a:spcBef>
+              <a:spcAft>
+                <a:spcPts val="0"/>
+              </a:spcAft>
+              <a:buClr>
+                <a:srgbClr val="000000"/>
+              </a:buClr>
+              <a:buSzPts val="1100"/>
+              <a:buFont typeface="Arial"/>
+              <a:buNone/>
+              <a:tabLst/>
+              <a:defRPr/>
+            </a:pPr>
+            <a:r>
+              <a:rPr lang="en-US" dirty="0"/>
+              <a:t>Misc. Notes: </a:t>
+            </a:r>
           </a:p>
           <a:p>
             <a:r>
@@ -4030,6 +4558,343 @@
         </p:txBody>
       </p:sp>
     </p:spTree>
+  </p:cSld>
+  <p:clrMapOvr>
+    <a:masterClrMapping/>
+  </p:clrMapOvr>
+</p:sldLayout>
+</file>
+
+<file path=ppt/slideLayouts/slideLayout10.xml><?xml version="1.0" encoding="utf-8"?>
+<p:sldLayout xmlns:a="http://schemas.openxmlformats.org/drawingml/2006/main" xmlns:r="http://schemas.openxmlformats.org/officeDocument/2006/relationships" xmlns:p="http://schemas.openxmlformats.org/presentationml/2006/main" matchingName="Title only" type="titleOnly">
+  <p:cSld name="Title only">
+    <p:spTree>
+      <p:nvGrpSpPr>
+        <p:cNvPr id="1" name="Shape 56"/>
+        <p:cNvGrpSpPr/>
+        <p:nvPr/>
+      </p:nvGrpSpPr>
+      <p:grpSpPr>
+        <a:xfrm>
+          <a:off x="0" y="0"/>
+          <a:ext cx="0" cy="0"/>
+          <a:chOff x="0" y="0"/>
+          <a:chExt cx="0" cy="0"/>
+        </a:xfrm>
+      </p:grpSpPr>
+      <p:grpSp>
+        <p:nvGrpSpPr>
+          <p:cNvPr id="57" name="Google Shape;57;p6"/>
+          <p:cNvGrpSpPr/>
+          <p:nvPr/>
+        </p:nvGrpSpPr>
+        <p:grpSpPr>
+          <a:xfrm>
+            <a:off x="0" y="381001"/>
+            <a:ext cx="1037850" cy="1016287"/>
+            <a:chOff x="0" y="381001"/>
+            <a:chExt cx="1037850" cy="1016287"/>
+          </a:xfrm>
+        </p:grpSpPr>
+        <p:sp>
+          <p:nvSpPr>
+            <p:cNvPr id="58" name="Google Shape;58;p6"/>
+            <p:cNvSpPr/>
+            <p:nvPr/>
+          </p:nvSpPr>
+          <p:spPr>
+            <a:xfrm rot="-5400000">
+              <a:off x="0" y="381001"/>
+              <a:ext cx="808800" cy="808800"/>
+            </a:xfrm>
+            <a:prstGeom prst="diagStripe">
+              <a:avLst>
+                <a:gd name="adj" fmla="val 50000"/>
+              </a:avLst>
+            </a:prstGeom>
+            <a:solidFill>
+              <a:schemeClr val="accent1"/>
+            </a:solidFill>
+            <a:ln>
+              <a:noFill/>
+            </a:ln>
+          </p:spPr>
+          <p:txBody>
+            <a:bodyPr spcFirstLastPara="1" wrap="square" lIns="91425" tIns="91425" rIns="91425" bIns="91425" anchor="ctr" anchorCtr="0">
+              <a:noAutofit/>
+            </a:bodyPr>
+            <a:lstStyle/>
+            <a:p>
+              <a:pPr marL="0" lvl="0" indent="0" algn="l" rtl="0">
+                <a:spcBef>
+                  <a:spcPts val="0"/>
+                </a:spcBef>
+                <a:spcAft>
+                  <a:spcPts val="0"/>
+                </a:spcAft>
+                <a:buNone/>
+              </a:pPr>
+              <a:endParaRPr/>
+            </a:p>
+          </p:txBody>
+        </p:sp>
+        <p:sp>
+          <p:nvSpPr>
+            <p:cNvPr id="59" name="Google Shape;59;p6"/>
+            <p:cNvSpPr/>
+            <p:nvPr/>
+          </p:nvSpPr>
+          <p:spPr>
+            <a:xfrm flipH="1">
+              <a:off x="229050" y="588489"/>
+              <a:ext cx="808800" cy="808800"/>
+            </a:xfrm>
+            <a:prstGeom prst="diagStripe">
+              <a:avLst>
+                <a:gd name="adj" fmla="val 50000"/>
+              </a:avLst>
+            </a:prstGeom>
+            <a:solidFill>
+              <a:schemeClr val="lt2"/>
+            </a:solidFill>
+            <a:ln>
+              <a:noFill/>
+            </a:ln>
+          </p:spPr>
+          <p:txBody>
+            <a:bodyPr spcFirstLastPara="1" wrap="square" lIns="91425" tIns="91425" rIns="91425" bIns="91425" anchor="ctr" anchorCtr="0">
+              <a:noAutofit/>
+            </a:bodyPr>
+            <a:lstStyle/>
+            <a:p>
+              <a:pPr marL="0" lvl="0" indent="0" algn="l" rtl="0">
+                <a:spcBef>
+                  <a:spcPts val="0"/>
+                </a:spcBef>
+                <a:spcAft>
+                  <a:spcPts val="0"/>
+                </a:spcAft>
+                <a:buNone/>
+              </a:pPr>
+              <a:endParaRPr/>
+            </a:p>
+          </p:txBody>
+        </p:sp>
+      </p:grpSp>
+      <p:sp>
+        <p:nvSpPr>
+          <p:cNvPr id="60" name="Google Shape;60;p6"/>
+          <p:cNvSpPr txBox="1">
+            <a:spLocks noGrp="1"/>
+          </p:cNvSpPr>
+          <p:nvPr>
+            <p:ph type="title"/>
+          </p:nvPr>
+        </p:nvSpPr>
+        <p:spPr>
+          <a:xfrm>
+            <a:off x="1297500" y="393750"/>
+            <a:ext cx="7038900" cy="914100"/>
+          </a:xfrm>
+          <a:prstGeom prst="rect">
+            <a:avLst/>
+          </a:prstGeom>
+        </p:spPr>
+        <p:txBody>
+          <a:bodyPr spcFirstLastPara="1" wrap="square" lIns="91425" tIns="91425" rIns="91425" bIns="91425" anchor="t" anchorCtr="0">
+            <a:noAutofit/>
+          </a:bodyPr>
+          <a:lstStyle>
+            <a:lvl1pPr lvl="0">
+              <a:spcBef>
+                <a:spcPts val="0"/>
+              </a:spcBef>
+              <a:spcAft>
+                <a:spcPts val="0"/>
+              </a:spcAft>
+              <a:buSzPts val="2400"/>
+              <a:buNone/>
+              <a:defRPr sz="2400"/>
+            </a:lvl1pPr>
+            <a:lvl2pPr lvl="1">
+              <a:spcBef>
+                <a:spcPts val="0"/>
+              </a:spcBef>
+              <a:spcAft>
+                <a:spcPts val="0"/>
+              </a:spcAft>
+              <a:buSzPts val="2400"/>
+              <a:buNone/>
+              <a:defRPr sz="2400"/>
+            </a:lvl2pPr>
+            <a:lvl3pPr lvl="2">
+              <a:spcBef>
+                <a:spcPts val="0"/>
+              </a:spcBef>
+              <a:spcAft>
+                <a:spcPts val="0"/>
+              </a:spcAft>
+              <a:buSzPts val="2400"/>
+              <a:buNone/>
+              <a:defRPr sz="2400"/>
+            </a:lvl3pPr>
+            <a:lvl4pPr lvl="3">
+              <a:spcBef>
+                <a:spcPts val="0"/>
+              </a:spcBef>
+              <a:spcAft>
+                <a:spcPts val="0"/>
+              </a:spcAft>
+              <a:buSzPts val="2400"/>
+              <a:buNone/>
+              <a:defRPr sz="2400"/>
+            </a:lvl4pPr>
+            <a:lvl5pPr lvl="4">
+              <a:spcBef>
+                <a:spcPts val="0"/>
+              </a:spcBef>
+              <a:spcAft>
+                <a:spcPts val="0"/>
+              </a:spcAft>
+              <a:buSzPts val="2400"/>
+              <a:buNone/>
+              <a:defRPr sz="2400"/>
+            </a:lvl5pPr>
+            <a:lvl6pPr lvl="5">
+              <a:spcBef>
+                <a:spcPts val="0"/>
+              </a:spcBef>
+              <a:spcAft>
+                <a:spcPts val="0"/>
+              </a:spcAft>
+              <a:buSzPts val="2400"/>
+              <a:buNone/>
+              <a:defRPr sz="2400"/>
+            </a:lvl6pPr>
+            <a:lvl7pPr lvl="6">
+              <a:spcBef>
+                <a:spcPts val="0"/>
+              </a:spcBef>
+              <a:spcAft>
+                <a:spcPts val="0"/>
+              </a:spcAft>
+              <a:buSzPts val="2400"/>
+              <a:buNone/>
+              <a:defRPr sz="2400"/>
+            </a:lvl7pPr>
+            <a:lvl8pPr lvl="7">
+              <a:spcBef>
+                <a:spcPts val="0"/>
+              </a:spcBef>
+              <a:spcAft>
+                <a:spcPts val="0"/>
+              </a:spcAft>
+              <a:buSzPts val="2400"/>
+              <a:buNone/>
+              <a:defRPr sz="2400"/>
+            </a:lvl8pPr>
+            <a:lvl9pPr lvl="8">
+              <a:spcBef>
+                <a:spcPts val="0"/>
+              </a:spcBef>
+              <a:spcAft>
+                <a:spcPts val="0"/>
+              </a:spcAft>
+              <a:buSzPts val="2400"/>
+              <a:buNone/>
+              <a:defRPr sz="2400"/>
+            </a:lvl9pPr>
+          </a:lstStyle>
+          <a:p>
+            <a:endParaRPr/>
+          </a:p>
+        </p:txBody>
+      </p:sp>
+      <p:sp>
+        <p:nvSpPr>
+          <p:cNvPr id="61" name="Google Shape;61;p6"/>
+          <p:cNvSpPr txBox="1">
+            <a:spLocks noGrp="1"/>
+          </p:cNvSpPr>
+          <p:nvPr>
+            <p:ph type="sldNum" idx="12"/>
+          </p:nvPr>
+        </p:nvSpPr>
+        <p:spPr>
+          <a:xfrm>
+            <a:off x="8472458" y="4663217"/>
+            <a:ext cx="548700" cy="393600"/>
+          </a:xfrm>
+          <a:prstGeom prst="rect">
+            <a:avLst/>
+          </a:prstGeom>
+        </p:spPr>
+        <p:txBody>
+          <a:bodyPr spcFirstLastPara="1" wrap="square" lIns="91425" tIns="91425" rIns="91425" bIns="91425" anchor="ctr" anchorCtr="0">
+            <a:noAutofit/>
+          </a:bodyPr>
+          <a:lstStyle>
+            <a:lvl1pPr lvl="0">
+              <a:buNone/>
+              <a:defRPr/>
+            </a:lvl1pPr>
+            <a:lvl2pPr lvl="1">
+              <a:buNone/>
+              <a:defRPr/>
+            </a:lvl2pPr>
+            <a:lvl3pPr lvl="2">
+              <a:buNone/>
+              <a:defRPr/>
+            </a:lvl3pPr>
+            <a:lvl4pPr lvl="3">
+              <a:buNone/>
+              <a:defRPr/>
+            </a:lvl4pPr>
+            <a:lvl5pPr lvl="4">
+              <a:buNone/>
+              <a:defRPr/>
+            </a:lvl5pPr>
+            <a:lvl6pPr lvl="5">
+              <a:buNone/>
+              <a:defRPr/>
+            </a:lvl6pPr>
+            <a:lvl7pPr lvl="6">
+              <a:buNone/>
+              <a:defRPr/>
+            </a:lvl7pPr>
+            <a:lvl8pPr lvl="7">
+              <a:buNone/>
+              <a:defRPr/>
+            </a:lvl8pPr>
+            <a:lvl9pPr lvl="8">
+              <a:buNone/>
+              <a:defRPr/>
+            </a:lvl9pPr>
+          </a:lstStyle>
+          <a:p>
+            <a:pPr marL="0" lvl="0" indent="0" algn="r" rtl="0">
+              <a:spcBef>
+                <a:spcPts val="0"/>
+              </a:spcBef>
+              <a:spcAft>
+                <a:spcPts val="0"/>
+              </a:spcAft>
+              <a:buNone/>
+            </a:pPr>
+            <a:fld id="{00000000-1234-1234-1234-123412341234}" type="slidenum">
+              <a:rPr lang="en"/>
+              <a:t>‹#›</a:t>
+            </a:fld>
+            <a:endParaRPr/>
+          </a:p>
+        </p:txBody>
+      </p:sp>
+    </p:spTree>
+    <p:extLst>
+      <p:ext uri="{BB962C8B-B14F-4D97-AF65-F5344CB8AC3E}">
+        <p14:creationId xmlns:p14="http://schemas.microsoft.com/office/powerpoint/2010/main" val="473318948"/>
+      </p:ext>
+    </p:extLst>
   </p:cSld>
   <p:clrMapOvr>
     <a:masterClrMapping/>
@@ -9426,6 +10291,7 @@
     <p:sldLayoutId id="2147483656" r:id="rId7"/>
     <p:sldLayoutId id="2147483657" r:id="rId8"/>
     <p:sldLayoutId id="2147483658" r:id="rId9"/>
+    <p:sldLayoutId id="2147483660" r:id="rId10"/>
   </p:sldLayoutIdLst>
   <p:hf sldNum="0" hdr="0" ftr="0" dt="0"/>
   <p:txStyles>
@@ -10295,6 +11161,327 @@
   <p:cSld>
     <p:spTree>
       <p:nvGrpSpPr>
+        <p:cNvPr id="1" name="Shape 259"/>
+        <p:cNvGrpSpPr/>
+        <p:nvPr/>
+      </p:nvGrpSpPr>
+      <p:grpSpPr>
+        <a:xfrm>
+          <a:off x="0" y="0"/>
+          <a:ext cx="0" cy="0"/>
+          <a:chOff x="0" y="0"/>
+          <a:chExt cx="0" cy="0"/>
+        </a:xfrm>
+      </p:grpSpPr>
+      <p:sp>
+        <p:nvSpPr>
+          <p:cNvPr id="260" name="Google Shape;260;p32"/>
+          <p:cNvSpPr txBox="1">
+            <a:spLocks noGrp="1"/>
+          </p:cNvSpPr>
+          <p:nvPr>
+            <p:ph type="title"/>
+          </p:nvPr>
+        </p:nvSpPr>
+        <p:spPr>
+          <a:prstGeom prst="rect">
+            <a:avLst/>
+          </a:prstGeom>
+        </p:spPr>
+        <p:txBody>
+          <a:bodyPr spcFirstLastPara="1" wrap="square" lIns="91425" tIns="91425" rIns="91425" bIns="91425" anchor="t" anchorCtr="0">
+            <a:noAutofit/>
+          </a:bodyPr>
+          <a:lstStyle/>
+          <a:p>
+            <a:pPr marL="0" lvl="0" indent="0" algn="l" rtl="0">
+              <a:spcBef>
+                <a:spcPts val="0"/>
+              </a:spcBef>
+              <a:spcAft>
+                <a:spcPts val="0"/>
+              </a:spcAft>
+              <a:buNone/>
+            </a:pPr>
+            <a:r>
+              <a:rPr lang="en" dirty="0"/>
+              <a:t>Analysis </a:t>
+            </a:r>
+            <a:r>
+              <a:rPr lang="en-US" dirty="0"/>
+              <a:t>Results </a:t>
+            </a:r>
+            <a:r>
+              <a:rPr lang="en" dirty="0"/>
+              <a:t>- Machine Learning</a:t>
+            </a:r>
+            <a:endParaRPr dirty="0"/>
+          </a:p>
+        </p:txBody>
+      </p:sp>
+      <p:sp>
+        <p:nvSpPr>
+          <p:cNvPr id="2" name="Text Placeholder 1">
+            <a:extLst>
+              <a:ext uri="{FF2B5EF4-FFF2-40B4-BE49-F238E27FC236}">
+                <a16:creationId xmlns:a16="http://schemas.microsoft.com/office/drawing/2014/main" id="{30FF6593-E85F-44B6-B1E0-4DE32AB67789}"/>
+              </a:ext>
+            </a:extLst>
+          </p:cNvPr>
+          <p:cNvSpPr>
+            <a:spLocks noGrp="1"/>
+          </p:cNvSpPr>
+          <p:nvPr>
+            <p:ph type="body" idx="1"/>
+          </p:nvPr>
+        </p:nvSpPr>
+        <p:spPr>
+          <a:xfrm>
+            <a:off x="1052539" y="1567550"/>
+            <a:ext cx="3403200" cy="2911200"/>
+          </a:xfrm>
+        </p:spPr>
+        <p:txBody>
+          <a:bodyPr/>
+          <a:lstStyle/>
+          <a:p>
+            <a:pPr marL="146050" indent="0" algn="ctr">
+              <a:buNone/>
+            </a:pPr>
+            <a:r>
+              <a:rPr lang="en-US" sz="1600" dirty="0"/>
+              <a:t>Logistic Regression Model: </a:t>
+            </a:r>
+          </a:p>
+          <a:p>
+            <a:pPr marL="146050" indent="0" algn="ctr">
+              <a:buNone/>
+            </a:pPr>
+            <a:r>
+              <a:rPr lang="en-US" sz="1600" dirty="0"/>
+              <a:t>Popular Tags</a:t>
+            </a:r>
+          </a:p>
+        </p:txBody>
+      </p:sp>
+      <p:sp>
+        <p:nvSpPr>
+          <p:cNvPr id="3" name="Text Placeholder 2">
+            <a:extLst>
+              <a:ext uri="{FF2B5EF4-FFF2-40B4-BE49-F238E27FC236}">
+                <a16:creationId xmlns:a16="http://schemas.microsoft.com/office/drawing/2014/main" id="{CEEC5741-8082-4051-99C3-8094AB8595E7}"/>
+              </a:ext>
+            </a:extLst>
+          </p:cNvPr>
+          <p:cNvSpPr>
+            <a:spLocks noGrp="1"/>
+          </p:cNvSpPr>
+          <p:nvPr>
+            <p:ph type="body" idx="2"/>
+          </p:nvPr>
+        </p:nvSpPr>
+        <p:spPr>
+          <a:xfrm>
+            <a:off x="5178181" y="1567550"/>
+            <a:ext cx="3403200" cy="2911200"/>
+          </a:xfrm>
+        </p:spPr>
+        <p:txBody>
+          <a:bodyPr/>
+          <a:lstStyle/>
+          <a:p>
+            <a:pPr marL="146050" indent="0" algn="ctr">
+              <a:buNone/>
+            </a:pPr>
+            <a:r>
+              <a:rPr lang="en-US" sz="1600" dirty="0"/>
+              <a:t>Logistic Regression Model: </a:t>
+            </a:r>
+          </a:p>
+          <a:p>
+            <a:pPr marL="146050" indent="0" algn="ctr">
+              <a:buNone/>
+            </a:pPr>
+            <a:r>
+              <a:rPr lang="en-US" sz="1600" dirty="0"/>
+              <a:t>Genre</a:t>
+            </a:r>
+          </a:p>
+        </p:txBody>
+      </p:sp>
+      <p:pic>
+        <p:nvPicPr>
+          <p:cNvPr id="5" name="Picture 4" descr="A screenshot of a cell phone&#10;&#10;Description automatically generated">
+            <a:extLst>
+              <a:ext uri="{FF2B5EF4-FFF2-40B4-BE49-F238E27FC236}">
+                <a16:creationId xmlns:a16="http://schemas.microsoft.com/office/drawing/2014/main" id="{EFFE21E3-8A7B-48DE-AE19-1FD2002FFFE2}"/>
+              </a:ext>
+            </a:extLst>
+          </p:cNvPr>
+          <p:cNvPicPr>
+            <a:picLocks noChangeAspect="1"/>
+          </p:cNvPicPr>
+          <p:nvPr/>
+        </p:nvPicPr>
+        <p:blipFill>
+          <a:blip r:embed="rId3"/>
+          <a:stretch>
+            <a:fillRect/>
+          </a:stretch>
+        </p:blipFill>
+        <p:spPr>
+          <a:xfrm>
+            <a:off x="807579" y="2571750"/>
+            <a:ext cx="3893121" cy="1285324"/>
+          </a:xfrm>
+          <a:prstGeom prst="rect">
+            <a:avLst/>
+          </a:prstGeom>
+        </p:spPr>
+      </p:pic>
+      <p:pic>
+        <p:nvPicPr>
+          <p:cNvPr id="7" name="Picture 6" descr="A picture containing clock&#10;&#10;Description automatically generated">
+            <a:extLst>
+              <a:ext uri="{FF2B5EF4-FFF2-40B4-BE49-F238E27FC236}">
+                <a16:creationId xmlns:a16="http://schemas.microsoft.com/office/drawing/2014/main" id="{8B349BE9-4EEF-471A-B9D6-0386124AB32F}"/>
+              </a:ext>
+            </a:extLst>
+          </p:cNvPr>
+          <p:cNvPicPr>
+            <a:picLocks noChangeAspect="1"/>
+          </p:cNvPicPr>
+          <p:nvPr/>
+        </p:nvPicPr>
+        <p:blipFill>
+          <a:blip r:embed="rId4"/>
+          <a:stretch>
+            <a:fillRect/>
+          </a:stretch>
+        </p:blipFill>
+        <p:spPr>
+          <a:xfrm>
+            <a:off x="4933221" y="2571750"/>
+            <a:ext cx="3893121" cy="1292638"/>
+          </a:xfrm>
+          <a:prstGeom prst="rect">
+            <a:avLst/>
+          </a:prstGeom>
+        </p:spPr>
+      </p:pic>
+      <p:sp>
+        <p:nvSpPr>
+          <p:cNvPr id="8" name="Rectangle 7">
+            <a:extLst>
+              <a:ext uri="{FF2B5EF4-FFF2-40B4-BE49-F238E27FC236}">
+                <a16:creationId xmlns:a16="http://schemas.microsoft.com/office/drawing/2014/main" id="{598D9218-BEA1-48EB-9CF8-6ADFFACB0773}"/>
+              </a:ext>
+            </a:extLst>
+          </p:cNvPr>
+          <p:cNvSpPr/>
+          <p:nvPr/>
+        </p:nvSpPr>
+        <p:spPr>
+          <a:xfrm>
+            <a:off x="3252788" y="3252788"/>
+            <a:ext cx="366713" cy="157163"/>
+          </a:xfrm>
+          <a:prstGeom prst="rect">
+            <a:avLst/>
+          </a:prstGeom>
+          <a:noFill/>
+          <a:ln>
+            <a:solidFill>
+              <a:srgbClr val="FF0000"/>
+            </a:solidFill>
+          </a:ln>
+        </p:spPr>
+        <p:style>
+          <a:lnRef idx="2">
+            <a:schemeClr val="accent6"/>
+          </a:lnRef>
+          <a:fillRef idx="1">
+            <a:schemeClr val="lt1"/>
+          </a:fillRef>
+          <a:effectRef idx="0">
+            <a:schemeClr val="accent6"/>
+          </a:effectRef>
+          <a:fontRef idx="minor">
+            <a:schemeClr val="dk1"/>
+          </a:fontRef>
+        </p:style>
+        <p:txBody>
+          <a:bodyPr rtlCol="0" anchor="ctr"/>
+          <a:lstStyle/>
+          <a:p>
+            <a:pPr algn="ctr"/>
+            <a:endParaRPr lang="en-US"/>
+          </a:p>
+        </p:txBody>
+      </p:sp>
+      <p:sp>
+        <p:nvSpPr>
+          <p:cNvPr id="10" name="Rectangle 9">
+            <a:extLst>
+              <a:ext uri="{FF2B5EF4-FFF2-40B4-BE49-F238E27FC236}">
+                <a16:creationId xmlns:a16="http://schemas.microsoft.com/office/drawing/2014/main" id="{541F93D6-E6C4-431F-8DFD-69CEF332BB9A}"/>
+              </a:ext>
+            </a:extLst>
+          </p:cNvPr>
+          <p:cNvSpPr/>
+          <p:nvPr/>
+        </p:nvSpPr>
+        <p:spPr>
+          <a:xfrm>
+            <a:off x="7439025" y="3262314"/>
+            <a:ext cx="366713" cy="157163"/>
+          </a:xfrm>
+          <a:prstGeom prst="rect">
+            <a:avLst/>
+          </a:prstGeom>
+          <a:noFill/>
+          <a:ln>
+            <a:solidFill>
+              <a:srgbClr val="FF0000"/>
+            </a:solidFill>
+          </a:ln>
+        </p:spPr>
+        <p:style>
+          <a:lnRef idx="2">
+            <a:schemeClr val="accent6"/>
+          </a:lnRef>
+          <a:fillRef idx="1">
+            <a:schemeClr val="lt1"/>
+          </a:fillRef>
+          <a:effectRef idx="0">
+            <a:schemeClr val="accent6"/>
+          </a:effectRef>
+          <a:fontRef idx="minor">
+            <a:schemeClr val="dk1"/>
+          </a:fontRef>
+        </p:style>
+        <p:txBody>
+          <a:bodyPr rtlCol="0" anchor="ctr"/>
+          <a:lstStyle/>
+          <a:p>
+            <a:pPr algn="ctr"/>
+            <a:endParaRPr lang="en-US"/>
+          </a:p>
+        </p:txBody>
+      </p:sp>
+    </p:spTree>
+  </p:cSld>
+  <p:clrMapOvr>
+    <a:masterClrMapping/>
+  </p:clrMapOvr>
+</p:sld>
+</file>
+
+<file path=ppt/slides/slide12.xml><?xml version="1.0" encoding="utf-8"?>
+<p:sld xmlns:a="http://schemas.openxmlformats.org/drawingml/2006/main" xmlns:r="http://schemas.openxmlformats.org/officeDocument/2006/relationships" xmlns:p="http://schemas.openxmlformats.org/presentationml/2006/main">
+  <p:cSld>
+    <p:spTree>
+      <p:nvGrpSpPr>
         <p:cNvPr id="1" name="Shape 270"/>
         <p:cNvGrpSpPr/>
         <p:nvPr/>
@@ -10374,66 +11561,44 @@
           </a:bodyPr>
           <a:lstStyle/>
           <a:p>
-            <a:pPr marL="457200" lvl="0" indent="-311150" algn="l" rtl="0">
-              <a:spcBef>
-                <a:spcPts val="0"/>
-              </a:spcBef>
-              <a:spcAft>
-                <a:spcPts val="0"/>
-              </a:spcAft>
-              <a:buSzPts val="1300"/>
-              <a:buChar char="●"/>
-            </a:pPr>
-            <a:r>
-              <a:rPr lang="en"/>
-              <a:t>Connecting our data sources using Steam's API to provide updated library results, therefore continuing to evolve our learning model and allowing a client to track any trends over time. </a:t>
-            </a:r>
-            <a:endParaRPr/>
-          </a:p>
-          <a:p>
-            <a:pPr marL="457200" lvl="0" indent="-311150" algn="l" rtl="0">
-              <a:spcBef>
-                <a:spcPts val="0"/>
-              </a:spcBef>
-              <a:spcAft>
-                <a:spcPts val="0"/>
-              </a:spcAft>
-              <a:buSzPts val="1300"/>
-              <a:buChar char="●"/>
-            </a:pPr>
-            <a:r>
-              <a:rPr lang="en"/>
+            <a:pPr fontAlgn="base"/>
+            <a:r>
+              <a:rPr lang="en-US" dirty="0"/>
+              <a:t>Connecting our data sources using Steam's API to provide updated library results.</a:t>
+            </a:r>
+          </a:p>
+          <a:p>
+            <a:pPr fontAlgn="base"/>
+            <a:endParaRPr lang="en-US" dirty="0"/>
+          </a:p>
+          <a:p>
+            <a:pPr fontAlgn="base"/>
+            <a:r>
+              <a:rPr lang="en-US" dirty="0"/>
               <a:t>Expanding and including video games from other platforms.</a:t>
             </a:r>
-            <a:endParaRPr/>
-          </a:p>
-          <a:p>
-            <a:pPr marL="0" lvl="0" indent="0" algn="l" rtl="0">
-              <a:spcBef>
-                <a:spcPts val="1600"/>
-              </a:spcBef>
-              <a:spcAft>
-                <a:spcPts val="0"/>
-              </a:spcAft>
-              <a:buNone/>
-            </a:pPr>
-            <a:r>
-              <a:rPr lang="en"/>
-              <a:t>** Machine Learning improvements: </a:t>
-            </a:r>
-            <a:endParaRPr/>
-          </a:p>
-          <a:p>
-            <a:pPr marL="0" lvl="0" indent="0" algn="l" rtl="0">
-              <a:spcBef>
-                <a:spcPts val="1600"/>
-              </a:spcBef>
-              <a:spcAft>
-                <a:spcPts val="1600"/>
-              </a:spcAft>
-              <a:buNone/>
-            </a:pPr>
-            <a:endParaRPr/>
+          </a:p>
+          <a:p>
+            <a:pPr fontAlgn="base"/>
+            <a:endParaRPr lang="en-US" dirty="0"/>
+          </a:p>
+          <a:p>
+            <a:pPr fontAlgn="base"/>
+            <a:r>
+              <a:rPr lang="en-US" dirty="0"/>
+              <a:t>Adding sale aspects either globally or only North America. </a:t>
+            </a:r>
+          </a:p>
+          <a:p>
+            <a:pPr fontAlgn="base"/>
+            <a:endParaRPr lang="en-US" dirty="0"/>
+          </a:p>
+          <a:p>
+            <a:pPr fontAlgn="base"/>
+            <a:r>
+              <a:rPr lang="en-US" dirty="0"/>
+              <a:t>Running a few different models to see different accuracy score results.</a:t>
+            </a:r>
           </a:p>
         </p:txBody>
       </p:sp>
@@ -10445,7 +11610,7 @@
 </p:sld>
 </file>
 
-<file path=ppt/slides/slide12.xml><?xml version="1.0" encoding="utf-8"?>
+<file path=ppt/slides/slide13.xml><?xml version="1.0" encoding="utf-8"?>
 <p:sld xmlns:a="http://schemas.openxmlformats.org/drawingml/2006/main" xmlns:r="http://schemas.openxmlformats.org/officeDocument/2006/relationships" xmlns:p="http://schemas.openxmlformats.org/presentationml/2006/main">
   <p:cSld>
     <p:spTree>
@@ -10639,10 +11804,10 @@
               <a:buNone/>
             </a:pPr>
             <a:r>
-              <a:rPr lang="en"/>
+              <a:rPr lang="en" dirty="0"/>
               <a:t>We began exploring project topics with eSports, for there was a lot of data available within the video game industry.</a:t>
             </a:r>
-            <a:endParaRPr/>
+            <a:endParaRPr dirty="0"/>
           </a:p>
           <a:p>
             <a:pPr marL="0" lvl="0" indent="0" algn="l" rtl="0">
@@ -10655,10 +11820,25 @@
               <a:buNone/>
             </a:pPr>
             <a:r>
-              <a:rPr lang="en"/>
-              <a:t>As we explored different areas, we came upon the questions of how did video games get so big? The industry has grown exponentially and there are many types of games available. </a:t>
-            </a:r>
-            <a:endParaRPr/>
+              <a:rPr lang="en" dirty="0"/>
+              <a:t>As we explored different areas, we came upon the questions of how did video games get so big? </a:t>
+            </a:r>
+          </a:p>
+          <a:p>
+            <a:pPr marL="0" lvl="0" indent="0" algn="l" rtl="0">
+              <a:spcBef>
+                <a:spcPts val="1600"/>
+              </a:spcBef>
+              <a:spcAft>
+                <a:spcPts val="1600"/>
+              </a:spcAft>
+              <a:buNone/>
+            </a:pPr>
+            <a:r>
+              <a:rPr lang="en" dirty="0"/>
+              <a:t>The industry has grown exponentially and there are many types of games available. </a:t>
+            </a:r>
+            <a:endParaRPr dirty="0"/>
           </a:p>
         </p:txBody>
       </p:sp>
@@ -10827,7 +12007,7 @@
         </p:nvSpPr>
         <p:spPr>
           <a:xfrm>
-            <a:off x="1297500" y="1567550"/>
+            <a:off x="1297500" y="1460250"/>
             <a:ext cx="3403200" cy="2911200"/>
           </a:xfrm>
           <a:prstGeom prst="rect">
@@ -10850,14 +12030,41 @@
               <a:buNone/>
             </a:pPr>
             <a:r>
-              <a:rPr lang="en"/>
-              <a:t>Our topic was further narrowed down to figuring out what makes a video game popular. There are many features to focus on, such as the platform, type of game-play, genre, and various other categories. </a:t>
-            </a:r>
-            <a:endParaRPr/>
+              <a:rPr lang="en" dirty="0"/>
+              <a:t>Our topic was further narrowed down to figuring out what makes a video game popular. </a:t>
+            </a:r>
           </a:p>
           <a:p>
             <a:pPr marL="0" lvl="0" indent="0" algn="l" rtl="0">
               <a:spcBef>
+                <a:spcPts val="0"/>
+              </a:spcBef>
+              <a:spcAft>
+                <a:spcPts val="0"/>
+              </a:spcAft>
+              <a:buNone/>
+            </a:pPr>
+            <a:endParaRPr lang="en" dirty="0"/>
+          </a:p>
+          <a:p>
+            <a:pPr marL="0" lvl="0" indent="0" algn="l" rtl="0">
+              <a:spcBef>
+                <a:spcPts val="0"/>
+              </a:spcBef>
+              <a:spcAft>
+                <a:spcPts val="0"/>
+              </a:spcAft>
+              <a:buNone/>
+            </a:pPr>
+            <a:r>
+              <a:rPr lang="en" dirty="0"/>
+              <a:t>There are many features to focus on, such as the platform, type of game-play, genre, and various other categories. </a:t>
+            </a:r>
+            <a:endParaRPr dirty="0"/>
+          </a:p>
+          <a:p>
+            <a:pPr marL="0" lvl="0" indent="0" algn="l" rtl="0">
+              <a:spcBef>
                 <a:spcPts val="1600"/>
               </a:spcBef>
               <a:spcAft>
@@ -10866,10 +12073,10 @@
               <a:buNone/>
             </a:pPr>
             <a:r>
-              <a:rPr lang="en"/>
+              <a:rPr lang="en" dirty="0"/>
               <a:t>By analyzing this data, it would help potential clients pick which creators to support, or help with decisions among their own creative teams to create a successful and popular video game.  </a:t>
             </a:r>
-            <a:endParaRPr/>
+            <a:endParaRPr dirty="0"/>
           </a:p>
         </p:txBody>
       </p:sp>
